--- a/ppt 16-9/1335.神所拣选的.pptx
+++ b/ppt 16-9/1335.神所拣选的.pptx
@@ -129,7 +129,7 @@
           <p:cNvPr id="2" name="标题 1">
             <a:extLst>
               <a:ext uri="{FF2B5EF4-FFF2-40B4-BE49-F238E27FC236}">
-                <a16:creationId xmlns:a16="http://schemas.microsoft.com/office/drawing/2014/main" id="{C36B6A93-B8A7-0E19-0ED9-00A4344967F3}"/>
+                <a16:creationId xmlns:a16="http://schemas.microsoft.com/office/drawing/2014/main" id="{22EB7C32-7667-A26A-825D-A8663DB0E599}"/>
               </a:ext>
             </a:extLst>
           </p:cNvPr>
@@ -166,7 +166,7 @@
           <p:cNvPr id="3" name="副标题 2">
             <a:extLst>
               <a:ext uri="{FF2B5EF4-FFF2-40B4-BE49-F238E27FC236}">
-                <a16:creationId xmlns:a16="http://schemas.microsoft.com/office/drawing/2014/main" id="{642912C5-CFF9-33E2-8090-C9DC66C9E300}"/>
+                <a16:creationId xmlns:a16="http://schemas.microsoft.com/office/drawing/2014/main" id="{0628BEF7-ECF3-DC2D-6996-12AD7EF3D650}"/>
               </a:ext>
             </a:extLst>
           </p:cNvPr>
@@ -236,7 +236,7 @@
           <p:cNvPr id="4" name="日期占位符 3">
             <a:extLst>
               <a:ext uri="{FF2B5EF4-FFF2-40B4-BE49-F238E27FC236}">
-                <a16:creationId xmlns:a16="http://schemas.microsoft.com/office/drawing/2014/main" id="{014CFD91-E472-3A91-4428-B8FB1660DC9D}"/>
+                <a16:creationId xmlns:a16="http://schemas.microsoft.com/office/drawing/2014/main" id="{C4FA52F2-333C-8E50-263F-CC9468992A84}"/>
               </a:ext>
             </a:extLst>
           </p:cNvPr>
@@ -252,7 +252,7 @@
           <a:bodyPr/>
           <a:lstStyle/>
           <a:p>
-            <a:fld id="{58A97E81-E080-48B1-9FE4-84AAB09AADF0}" type="datetimeFigureOut">
+            <a:fld id="{D30CA160-7F97-42E1-AFF4-315F5B84A01D}" type="datetimeFigureOut">
               <a:rPr lang="zh-CN" altLang="en-US" smtClean="0"/>
               <a:t>2024/3/10</a:t>
             </a:fld>
@@ -265,7 +265,7 @@
           <p:cNvPr id="5" name="页脚占位符 4">
             <a:extLst>
               <a:ext uri="{FF2B5EF4-FFF2-40B4-BE49-F238E27FC236}">
-                <a16:creationId xmlns:a16="http://schemas.microsoft.com/office/drawing/2014/main" id="{4A3543F3-05AF-84CB-0204-F30F9165E938}"/>
+                <a16:creationId xmlns:a16="http://schemas.microsoft.com/office/drawing/2014/main" id="{255EC562-CF22-BF9B-4EDF-2EB4144281F3}"/>
               </a:ext>
             </a:extLst>
           </p:cNvPr>
@@ -290,7 +290,7 @@
           <p:cNvPr id="6" name="灯片编号占位符 5">
             <a:extLst>
               <a:ext uri="{FF2B5EF4-FFF2-40B4-BE49-F238E27FC236}">
-                <a16:creationId xmlns:a16="http://schemas.microsoft.com/office/drawing/2014/main" id="{0FC480B0-5352-DE30-2A85-160E5E9649FD}"/>
+                <a16:creationId xmlns:a16="http://schemas.microsoft.com/office/drawing/2014/main" id="{5DC2E490-7C90-62C5-3545-47B4ABA555BE}"/>
               </a:ext>
             </a:extLst>
           </p:cNvPr>
@@ -306,7 +306,7 @@
           <a:bodyPr/>
           <a:lstStyle/>
           <a:p>
-            <a:fld id="{85498B83-995C-4D9E-B4A8-BA30D9A004B6}" type="slidenum">
+            <a:fld id="{136F8505-496A-43F7-83A3-0DE041851E20}" type="slidenum">
               <a:rPr lang="zh-CN" altLang="en-US" smtClean="0"/>
               <a:t>‹#›</a:t>
             </a:fld>
@@ -317,7 +317,7 @@
     </p:spTree>
     <p:extLst>
       <p:ext uri="{BB962C8B-B14F-4D97-AF65-F5344CB8AC3E}">
-        <p14:creationId xmlns:p14="http://schemas.microsoft.com/office/powerpoint/2010/main" val="1540412243"/>
+        <p14:creationId xmlns:p14="http://schemas.microsoft.com/office/powerpoint/2010/main" val="1184321728"/>
       </p:ext>
     </p:extLst>
   </p:cSld>
@@ -349,7 +349,7 @@
           <p:cNvPr id="2" name="标题 1">
             <a:extLst>
               <a:ext uri="{FF2B5EF4-FFF2-40B4-BE49-F238E27FC236}">
-                <a16:creationId xmlns:a16="http://schemas.microsoft.com/office/drawing/2014/main" id="{90A1A30B-26DE-B9CC-B194-48EFA6E5897E}"/>
+                <a16:creationId xmlns:a16="http://schemas.microsoft.com/office/drawing/2014/main" id="{E345E827-58E1-DB41-5D9B-BE8C7D03F727}"/>
               </a:ext>
             </a:extLst>
           </p:cNvPr>
@@ -377,7 +377,7 @@
           <p:cNvPr id="3" name="竖排文字占位符 2">
             <a:extLst>
               <a:ext uri="{FF2B5EF4-FFF2-40B4-BE49-F238E27FC236}">
-                <a16:creationId xmlns:a16="http://schemas.microsoft.com/office/drawing/2014/main" id="{AF02B077-FCF6-C6F1-6AFB-C7617C565EFB}"/>
+                <a16:creationId xmlns:a16="http://schemas.microsoft.com/office/drawing/2014/main" id="{5CF8F6AA-77A0-1173-902F-D5B03B1A61FF}"/>
               </a:ext>
             </a:extLst>
           </p:cNvPr>
@@ -434,7 +434,7 @@
           <p:cNvPr id="4" name="日期占位符 3">
             <a:extLst>
               <a:ext uri="{FF2B5EF4-FFF2-40B4-BE49-F238E27FC236}">
-                <a16:creationId xmlns:a16="http://schemas.microsoft.com/office/drawing/2014/main" id="{AD1EBADB-09C8-5C5E-F00F-4026B3613676}"/>
+                <a16:creationId xmlns:a16="http://schemas.microsoft.com/office/drawing/2014/main" id="{09414D81-FDBF-1ED8-D43B-2A4744CA3AFF}"/>
               </a:ext>
             </a:extLst>
           </p:cNvPr>
@@ -450,7 +450,7 @@
           <a:bodyPr/>
           <a:lstStyle/>
           <a:p>
-            <a:fld id="{58A97E81-E080-48B1-9FE4-84AAB09AADF0}" type="datetimeFigureOut">
+            <a:fld id="{D30CA160-7F97-42E1-AFF4-315F5B84A01D}" type="datetimeFigureOut">
               <a:rPr lang="zh-CN" altLang="en-US" smtClean="0"/>
               <a:t>2024/3/10</a:t>
             </a:fld>
@@ -463,7 +463,7 @@
           <p:cNvPr id="5" name="页脚占位符 4">
             <a:extLst>
               <a:ext uri="{FF2B5EF4-FFF2-40B4-BE49-F238E27FC236}">
-                <a16:creationId xmlns:a16="http://schemas.microsoft.com/office/drawing/2014/main" id="{B7D4A515-4697-C2D6-D650-736D0FE63807}"/>
+                <a16:creationId xmlns:a16="http://schemas.microsoft.com/office/drawing/2014/main" id="{8798F9EF-5769-03FF-5F94-C5AAABBF696E}"/>
               </a:ext>
             </a:extLst>
           </p:cNvPr>
@@ -488,7 +488,7 @@
           <p:cNvPr id="6" name="灯片编号占位符 5">
             <a:extLst>
               <a:ext uri="{FF2B5EF4-FFF2-40B4-BE49-F238E27FC236}">
-                <a16:creationId xmlns:a16="http://schemas.microsoft.com/office/drawing/2014/main" id="{CD1E1032-4513-90B2-1489-CE39C3B528B9}"/>
+                <a16:creationId xmlns:a16="http://schemas.microsoft.com/office/drawing/2014/main" id="{C8E2B832-D8C0-5B0A-2C5B-3EE8E6E66933}"/>
               </a:ext>
             </a:extLst>
           </p:cNvPr>
@@ -504,7 +504,7 @@
           <a:bodyPr/>
           <a:lstStyle/>
           <a:p>
-            <a:fld id="{85498B83-995C-4D9E-B4A8-BA30D9A004B6}" type="slidenum">
+            <a:fld id="{136F8505-496A-43F7-83A3-0DE041851E20}" type="slidenum">
               <a:rPr lang="zh-CN" altLang="en-US" smtClean="0"/>
               <a:t>‹#›</a:t>
             </a:fld>
@@ -515,7 +515,7 @@
     </p:spTree>
     <p:extLst>
       <p:ext uri="{BB962C8B-B14F-4D97-AF65-F5344CB8AC3E}">
-        <p14:creationId xmlns:p14="http://schemas.microsoft.com/office/powerpoint/2010/main" val="2481151190"/>
+        <p14:creationId xmlns:p14="http://schemas.microsoft.com/office/powerpoint/2010/main" val="1878188299"/>
       </p:ext>
     </p:extLst>
   </p:cSld>
@@ -547,7 +547,7 @@
           <p:cNvPr id="2" name="竖排标题 1">
             <a:extLst>
               <a:ext uri="{FF2B5EF4-FFF2-40B4-BE49-F238E27FC236}">
-                <a16:creationId xmlns:a16="http://schemas.microsoft.com/office/drawing/2014/main" id="{199C0386-076E-D7E9-2C55-660563BB805F}"/>
+                <a16:creationId xmlns:a16="http://schemas.microsoft.com/office/drawing/2014/main" id="{E8C906B0-836A-A1C2-8CFB-F566D4459088}"/>
               </a:ext>
             </a:extLst>
           </p:cNvPr>
@@ -580,7 +580,7 @@
           <p:cNvPr id="3" name="竖排文字占位符 2">
             <a:extLst>
               <a:ext uri="{FF2B5EF4-FFF2-40B4-BE49-F238E27FC236}">
-                <a16:creationId xmlns:a16="http://schemas.microsoft.com/office/drawing/2014/main" id="{DF70A34C-08A1-DE60-24D0-BF68C2706302}"/>
+                <a16:creationId xmlns:a16="http://schemas.microsoft.com/office/drawing/2014/main" id="{E9CADAB1-DE49-D7FC-5273-55836EC0C479}"/>
               </a:ext>
             </a:extLst>
           </p:cNvPr>
@@ -642,7 +642,7 @@
           <p:cNvPr id="4" name="日期占位符 3">
             <a:extLst>
               <a:ext uri="{FF2B5EF4-FFF2-40B4-BE49-F238E27FC236}">
-                <a16:creationId xmlns:a16="http://schemas.microsoft.com/office/drawing/2014/main" id="{98BAF2C2-48F5-8E0F-0852-CCA67FE07B0A}"/>
+                <a16:creationId xmlns:a16="http://schemas.microsoft.com/office/drawing/2014/main" id="{DFE29E17-08FB-C02E-D4AD-9EE8FC065477}"/>
               </a:ext>
             </a:extLst>
           </p:cNvPr>
@@ -658,7 +658,7 @@
           <a:bodyPr/>
           <a:lstStyle/>
           <a:p>
-            <a:fld id="{58A97E81-E080-48B1-9FE4-84AAB09AADF0}" type="datetimeFigureOut">
+            <a:fld id="{D30CA160-7F97-42E1-AFF4-315F5B84A01D}" type="datetimeFigureOut">
               <a:rPr lang="zh-CN" altLang="en-US" smtClean="0"/>
               <a:t>2024/3/10</a:t>
             </a:fld>
@@ -671,7 +671,7 @@
           <p:cNvPr id="5" name="页脚占位符 4">
             <a:extLst>
               <a:ext uri="{FF2B5EF4-FFF2-40B4-BE49-F238E27FC236}">
-                <a16:creationId xmlns:a16="http://schemas.microsoft.com/office/drawing/2014/main" id="{AE5A6EFA-1ADB-352A-DB71-BA7258E1D558}"/>
+                <a16:creationId xmlns:a16="http://schemas.microsoft.com/office/drawing/2014/main" id="{9EEFD148-0239-FDD0-E53E-C025BAA69FFF}"/>
               </a:ext>
             </a:extLst>
           </p:cNvPr>
@@ -696,7 +696,7 @@
           <p:cNvPr id="6" name="灯片编号占位符 5">
             <a:extLst>
               <a:ext uri="{FF2B5EF4-FFF2-40B4-BE49-F238E27FC236}">
-                <a16:creationId xmlns:a16="http://schemas.microsoft.com/office/drawing/2014/main" id="{75AB625B-1E88-CB2B-9030-3D8D23BCA7BF}"/>
+                <a16:creationId xmlns:a16="http://schemas.microsoft.com/office/drawing/2014/main" id="{339D2A45-A62D-0FCC-4E17-D9D23675D0F3}"/>
               </a:ext>
             </a:extLst>
           </p:cNvPr>
@@ -712,7 +712,7 @@
           <a:bodyPr/>
           <a:lstStyle/>
           <a:p>
-            <a:fld id="{85498B83-995C-4D9E-B4A8-BA30D9A004B6}" type="slidenum">
+            <a:fld id="{136F8505-496A-43F7-83A3-0DE041851E20}" type="slidenum">
               <a:rPr lang="zh-CN" altLang="en-US" smtClean="0"/>
               <a:t>‹#›</a:t>
             </a:fld>
@@ -723,7 +723,7 @@
     </p:spTree>
     <p:extLst>
       <p:ext uri="{BB962C8B-B14F-4D97-AF65-F5344CB8AC3E}">
-        <p14:creationId xmlns:p14="http://schemas.microsoft.com/office/powerpoint/2010/main" val="2192706126"/>
+        <p14:creationId xmlns:p14="http://schemas.microsoft.com/office/powerpoint/2010/main" val="1873067010"/>
       </p:ext>
     </p:extLst>
   </p:cSld>
@@ -755,7 +755,7 @@
           <p:cNvPr id="2" name="标题 1">
             <a:extLst>
               <a:ext uri="{FF2B5EF4-FFF2-40B4-BE49-F238E27FC236}">
-                <a16:creationId xmlns:a16="http://schemas.microsoft.com/office/drawing/2014/main" id="{8F9BA510-0956-A0D3-5050-5C882DE77CA7}"/>
+                <a16:creationId xmlns:a16="http://schemas.microsoft.com/office/drawing/2014/main" id="{14EF789B-11AE-2C2D-0845-0CBA7A4FC46D}"/>
               </a:ext>
             </a:extLst>
           </p:cNvPr>
@@ -783,7 +783,7 @@
           <p:cNvPr id="3" name="内容占位符 2">
             <a:extLst>
               <a:ext uri="{FF2B5EF4-FFF2-40B4-BE49-F238E27FC236}">
-                <a16:creationId xmlns:a16="http://schemas.microsoft.com/office/drawing/2014/main" id="{DD101205-BC2E-7D68-2E18-A5926FD19456}"/>
+                <a16:creationId xmlns:a16="http://schemas.microsoft.com/office/drawing/2014/main" id="{E9645D09-BD39-C404-A6A8-D7C06085F511}"/>
               </a:ext>
             </a:extLst>
           </p:cNvPr>
@@ -840,7 +840,7 @@
           <p:cNvPr id="4" name="日期占位符 3">
             <a:extLst>
               <a:ext uri="{FF2B5EF4-FFF2-40B4-BE49-F238E27FC236}">
-                <a16:creationId xmlns:a16="http://schemas.microsoft.com/office/drawing/2014/main" id="{74323E3F-7642-E30F-3A98-EA4F728828E0}"/>
+                <a16:creationId xmlns:a16="http://schemas.microsoft.com/office/drawing/2014/main" id="{1B013573-B848-70DD-4F26-E44002761C46}"/>
               </a:ext>
             </a:extLst>
           </p:cNvPr>
@@ -856,7 +856,7 @@
           <a:bodyPr/>
           <a:lstStyle/>
           <a:p>
-            <a:fld id="{58A97E81-E080-48B1-9FE4-84AAB09AADF0}" type="datetimeFigureOut">
+            <a:fld id="{D30CA160-7F97-42E1-AFF4-315F5B84A01D}" type="datetimeFigureOut">
               <a:rPr lang="zh-CN" altLang="en-US" smtClean="0"/>
               <a:t>2024/3/10</a:t>
             </a:fld>
@@ -869,7 +869,7 @@
           <p:cNvPr id="5" name="页脚占位符 4">
             <a:extLst>
               <a:ext uri="{FF2B5EF4-FFF2-40B4-BE49-F238E27FC236}">
-                <a16:creationId xmlns:a16="http://schemas.microsoft.com/office/drawing/2014/main" id="{D8F6014D-95C5-CE82-44F4-3F9DCF5E0BC1}"/>
+                <a16:creationId xmlns:a16="http://schemas.microsoft.com/office/drawing/2014/main" id="{5C44A3D8-87D9-30CC-1DA3-6880FB7C2533}"/>
               </a:ext>
             </a:extLst>
           </p:cNvPr>
@@ -894,7 +894,7 @@
           <p:cNvPr id="6" name="灯片编号占位符 5">
             <a:extLst>
               <a:ext uri="{FF2B5EF4-FFF2-40B4-BE49-F238E27FC236}">
-                <a16:creationId xmlns:a16="http://schemas.microsoft.com/office/drawing/2014/main" id="{5CD7DDA5-9CD3-E0E3-DCED-CD9EBC365124}"/>
+                <a16:creationId xmlns:a16="http://schemas.microsoft.com/office/drawing/2014/main" id="{2B785E74-73D7-1D4D-33BB-88F0E6A45C09}"/>
               </a:ext>
             </a:extLst>
           </p:cNvPr>
@@ -910,7 +910,7 @@
           <a:bodyPr/>
           <a:lstStyle/>
           <a:p>
-            <a:fld id="{85498B83-995C-4D9E-B4A8-BA30D9A004B6}" type="slidenum">
+            <a:fld id="{136F8505-496A-43F7-83A3-0DE041851E20}" type="slidenum">
               <a:rPr lang="zh-CN" altLang="en-US" smtClean="0"/>
               <a:t>‹#›</a:t>
             </a:fld>
@@ -921,7 +921,7 @@
     </p:spTree>
     <p:extLst>
       <p:ext uri="{BB962C8B-B14F-4D97-AF65-F5344CB8AC3E}">
-        <p14:creationId xmlns:p14="http://schemas.microsoft.com/office/powerpoint/2010/main" val="1794270009"/>
+        <p14:creationId xmlns:p14="http://schemas.microsoft.com/office/powerpoint/2010/main" val="1347680070"/>
       </p:ext>
     </p:extLst>
   </p:cSld>
@@ -953,7 +953,7 @@
           <p:cNvPr id="2" name="标题 1">
             <a:extLst>
               <a:ext uri="{FF2B5EF4-FFF2-40B4-BE49-F238E27FC236}">
-                <a16:creationId xmlns:a16="http://schemas.microsoft.com/office/drawing/2014/main" id="{8E08D5C9-CA47-DCA4-C7A7-0DE68F3B02E2}"/>
+                <a16:creationId xmlns:a16="http://schemas.microsoft.com/office/drawing/2014/main" id="{A94EDB9A-17E5-7988-7D72-C00D780F2901}"/>
               </a:ext>
             </a:extLst>
           </p:cNvPr>
@@ -990,7 +990,7 @@
           <p:cNvPr id="3" name="文本占位符 2">
             <a:extLst>
               <a:ext uri="{FF2B5EF4-FFF2-40B4-BE49-F238E27FC236}">
-                <a16:creationId xmlns:a16="http://schemas.microsoft.com/office/drawing/2014/main" id="{A8E4533B-0627-5A0C-49AC-742C856AE3C3}"/>
+                <a16:creationId xmlns:a16="http://schemas.microsoft.com/office/drawing/2014/main" id="{42BDCA22-18EB-9092-E9B7-D570424DB3C3}"/>
               </a:ext>
             </a:extLst>
           </p:cNvPr>
@@ -1115,7 +1115,7 @@
           <p:cNvPr id="4" name="日期占位符 3">
             <a:extLst>
               <a:ext uri="{FF2B5EF4-FFF2-40B4-BE49-F238E27FC236}">
-                <a16:creationId xmlns:a16="http://schemas.microsoft.com/office/drawing/2014/main" id="{16212BE7-0C44-AE65-C3D3-38CDD16CCAFE}"/>
+                <a16:creationId xmlns:a16="http://schemas.microsoft.com/office/drawing/2014/main" id="{5F2F3CD2-394E-F164-9FFA-89D74E31EB8D}"/>
               </a:ext>
             </a:extLst>
           </p:cNvPr>
@@ -1131,7 +1131,7 @@
           <a:bodyPr/>
           <a:lstStyle/>
           <a:p>
-            <a:fld id="{58A97E81-E080-48B1-9FE4-84AAB09AADF0}" type="datetimeFigureOut">
+            <a:fld id="{D30CA160-7F97-42E1-AFF4-315F5B84A01D}" type="datetimeFigureOut">
               <a:rPr lang="zh-CN" altLang="en-US" smtClean="0"/>
               <a:t>2024/3/10</a:t>
             </a:fld>
@@ -1144,7 +1144,7 @@
           <p:cNvPr id="5" name="页脚占位符 4">
             <a:extLst>
               <a:ext uri="{FF2B5EF4-FFF2-40B4-BE49-F238E27FC236}">
-                <a16:creationId xmlns:a16="http://schemas.microsoft.com/office/drawing/2014/main" id="{669715FB-91EE-5519-8075-5530B309BB10}"/>
+                <a16:creationId xmlns:a16="http://schemas.microsoft.com/office/drawing/2014/main" id="{F4C4722F-5859-1138-65BF-FBC1243B2198}"/>
               </a:ext>
             </a:extLst>
           </p:cNvPr>
@@ -1169,7 +1169,7 @@
           <p:cNvPr id="6" name="灯片编号占位符 5">
             <a:extLst>
               <a:ext uri="{FF2B5EF4-FFF2-40B4-BE49-F238E27FC236}">
-                <a16:creationId xmlns:a16="http://schemas.microsoft.com/office/drawing/2014/main" id="{BEEC723C-C996-BE24-86B3-DF3208316E91}"/>
+                <a16:creationId xmlns:a16="http://schemas.microsoft.com/office/drawing/2014/main" id="{BC7DE460-4464-C043-2869-52702A774D04}"/>
               </a:ext>
             </a:extLst>
           </p:cNvPr>
@@ -1185,7 +1185,7 @@
           <a:bodyPr/>
           <a:lstStyle/>
           <a:p>
-            <a:fld id="{85498B83-995C-4D9E-B4A8-BA30D9A004B6}" type="slidenum">
+            <a:fld id="{136F8505-496A-43F7-83A3-0DE041851E20}" type="slidenum">
               <a:rPr lang="zh-CN" altLang="en-US" smtClean="0"/>
               <a:t>‹#›</a:t>
             </a:fld>
@@ -1196,7 +1196,7 @@
     </p:spTree>
     <p:extLst>
       <p:ext uri="{BB962C8B-B14F-4D97-AF65-F5344CB8AC3E}">
-        <p14:creationId xmlns:p14="http://schemas.microsoft.com/office/powerpoint/2010/main" val="2472731972"/>
+        <p14:creationId xmlns:p14="http://schemas.microsoft.com/office/powerpoint/2010/main" val="1640406054"/>
       </p:ext>
     </p:extLst>
   </p:cSld>
@@ -1228,7 +1228,7 @@
           <p:cNvPr id="2" name="标题 1">
             <a:extLst>
               <a:ext uri="{FF2B5EF4-FFF2-40B4-BE49-F238E27FC236}">
-                <a16:creationId xmlns:a16="http://schemas.microsoft.com/office/drawing/2014/main" id="{805BD6D8-63BA-7AC0-1B6B-71AF603F25AC}"/>
+                <a16:creationId xmlns:a16="http://schemas.microsoft.com/office/drawing/2014/main" id="{89557FCD-8E58-52A5-BD8E-1C4636910030}"/>
               </a:ext>
             </a:extLst>
           </p:cNvPr>
@@ -1256,7 +1256,7 @@
           <p:cNvPr id="3" name="内容占位符 2">
             <a:extLst>
               <a:ext uri="{FF2B5EF4-FFF2-40B4-BE49-F238E27FC236}">
-                <a16:creationId xmlns:a16="http://schemas.microsoft.com/office/drawing/2014/main" id="{0827C1CB-761D-C01A-D460-EF23C6D3FF7F}"/>
+                <a16:creationId xmlns:a16="http://schemas.microsoft.com/office/drawing/2014/main" id="{7C587516-BCD6-EF0F-55D4-A26563E8087B}"/>
               </a:ext>
             </a:extLst>
           </p:cNvPr>
@@ -1318,7 +1318,7 @@
           <p:cNvPr id="4" name="内容占位符 3">
             <a:extLst>
               <a:ext uri="{FF2B5EF4-FFF2-40B4-BE49-F238E27FC236}">
-                <a16:creationId xmlns:a16="http://schemas.microsoft.com/office/drawing/2014/main" id="{CCC05DF3-1E36-B73E-633D-F6FE7BBF6CDA}"/>
+                <a16:creationId xmlns:a16="http://schemas.microsoft.com/office/drawing/2014/main" id="{3B69E8F0-DF6A-E257-1FD7-7A51F550F539}"/>
               </a:ext>
             </a:extLst>
           </p:cNvPr>
@@ -1380,7 +1380,7 @@
           <p:cNvPr id="5" name="日期占位符 4">
             <a:extLst>
               <a:ext uri="{FF2B5EF4-FFF2-40B4-BE49-F238E27FC236}">
-                <a16:creationId xmlns:a16="http://schemas.microsoft.com/office/drawing/2014/main" id="{E3C724D2-ECBD-9D1A-6003-00123F77B1E8}"/>
+                <a16:creationId xmlns:a16="http://schemas.microsoft.com/office/drawing/2014/main" id="{A485A7D9-BFA1-3664-E5EA-097D70464EEC}"/>
               </a:ext>
             </a:extLst>
           </p:cNvPr>
@@ -1396,7 +1396,7 @@
           <a:bodyPr/>
           <a:lstStyle/>
           <a:p>
-            <a:fld id="{58A97E81-E080-48B1-9FE4-84AAB09AADF0}" type="datetimeFigureOut">
+            <a:fld id="{D30CA160-7F97-42E1-AFF4-315F5B84A01D}" type="datetimeFigureOut">
               <a:rPr lang="zh-CN" altLang="en-US" smtClean="0"/>
               <a:t>2024/3/10</a:t>
             </a:fld>
@@ -1409,7 +1409,7 @@
           <p:cNvPr id="6" name="页脚占位符 5">
             <a:extLst>
               <a:ext uri="{FF2B5EF4-FFF2-40B4-BE49-F238E27FC236}">
-                <a16:creationId xmlns:a16="http://schemas.microsoft.com/office/drawing/2014/main" id="{7E849409-4479-04E6-3E56-CC6778391EE7}"/>
+                <a16:creationId xmlns:a16="http://schemas.microsoft.com/office/drawing/2014/main" id="{FCBEED06-1571-320C-EAE3-356EB61B6B0C}"/>
               </a:ext>
             </a:extLst>
           </p:cNvPr>
@@ -1434,7 +1434,7 @@
           <p:cNvPr id="7" name="灯片编号占位符 6">
             <a:extLst>
               <a:ext uri="{FF2B5EF4-FFF2-40B4-BE49-F238E27FC236}">
-                <a16:creationId xmlns:a16="http://schemas.microsoft.com/office/drawing/2014/main" id="{CF068366-808B-6165-82F9-81A40C0BC388}"/>
+                <a16:creationId xmlns:a16="http://schemas.microsoft.com/office/drawing/2014/main" id="{38B6E291-C52B-E5EF-5395-216C2ADF20E2}"/>
               </a:ext>
             </a:extLst>
           </p:cNvPr>
@@ -1450,7 +1450,7 @@
           <a:bodyPr/>
           <a:lstStyle/>
           <a:p>
-            <a:fld id="{85498B83-995C-4D9E-B4A8-BA30D9A004B6}" type="slidenum">
+            <a:fld id="{136F8505-496A-43F7-83A3-0DE041851E20}" type="slidenum">
               <a:rPr lang="zh-CN" altLang="en-US" smtClean="0"/>
               <a:t>‹#›</a:t>
             </a:fld>
@@ -1461,7 +1461,7 @@
     </p:spTree>
     <p:extLst>
       <p:ext uri="{BB962C8B-B14F-4D97-AF65-F5344CB8AC3E}">
-        <p14:creationId xmlns:p14="http://schemas.microsoft.com/office/powerpoint/2010/main" val="2523853833"/>
+        <p14:creationId xmlns:p14="http://schemas.microsoft.com/office/powerpoint/2010/main" val="2817168085"/>
       </p:ext>
     </p:extLst>
   </p:cSld>
@@ -1493,7 +1493,7 @@
           <p:cNvPr id="2" name="标题 1">
             <a:extLst>
               <a:ext uri="{FF2B5EF4-FFF2-40B4-BE49-F238E27FC236}">
-                <a16:creationId xmlns:a16="http://schemas.microsoft.com/office/drawing/2014/main" id="{8D191ABE-CCB1-04FF-3D0E-F4D371419417}"/>
+                <a16:creationId xmlns:a16="http://schemas.microsoft.com/office/drawing/2014/main" id="{A74E3A15-7F57-0CED-2290-007FD661F537}"/>
               </a:ext>
             </a:extLst>
           </p:cNvPr>
@@ -1526,7 +1526,7 @@
           <p:cNvPr id="3" name="文本占位符 2">
             <a:extLst>
               <a:ext uri="{FF2B5EF4-FFF2-40B4-BE49-F238E27FC236}">
-                <a16:creationId xmlns:a16="http://schemas.microsoft.com/office/drawing/2014/main" id="{E10DC615-1BC5-2A88-7304-F34A439804D6}"/>
+                <a16:creationId xmlns:a16="http://schemas.microsoft.com/office/drawing/2014/main" id="{739C1A9B-F266-F8B6-07EE-4C3E8537EB45}"/>
               </a:ext>
             </a:extLst>
           </p:cNvPr>
@@ -1597,7 +1597,7 @@
           <p:cNvPr id="4" name="内容占位符 3">
             <a:extLst>
               <a:ext uri="{FF2B5EF4-FFF2-40B4-BE49-F238E27FC236}">
-                <a16:creationId xmlns:a16="http://schemas.microsoft.com/office/drawing/2014/main" id="{5E4526E7-5E87-6F95-769A-584227F6A35D}"/>
+                <a16:creationId xmlns:a16="http://schemas.microsoft.com/office/drawing/2014/main" id="{2036EF7C-F770-00C6-6F13-B4230BE7687A}"/>
               </a:ext>
             </a:extLst>
           </p:cNvPr>
@@ -1659,7 +1659,7 @@
           <p:cNvPr id="5" name="文本占位符 4">
             <a:extLst>
               <a:ext uri="{FF2B5EF4-FFF2-40B4-BE49-F238E27FC236}">
-                <a16:creationId xmlns:a16="http://schemas.microsoft.com/office/drawing/2014/main" id="{74035AD9-EADA-AA69-9912-C474F9CE31E6}"/>
+                <a16:creationId xmlns:a16="http://schemas.microsoft.com/office/drawing/2014/main" id="{1166B449-4CFA-10AD-C011-8BE52746EC4C}"/>
               </a:ext>
             </a:extLst>
           </p:cNvPr>
@@ -1730,7 +1730,7 @@
           <p:cNvPr id="6" name="内容占位符 5">
             <a:extLst>
               <a:ext uri="{FF2B5EF4-FFF2-40B4-BE49-F238E27FC236}">
-                <a16:creationId xmlns:a16="http://schemas.microsoft.com/office/drawing/2014/main" id="{B0704FA1-77EE-51E3-535A-39C488EB4987}"/>
+                <a16:creationId xmlns:a16="http://schemas.microsoft.com/office/drawing/2014/main" id="{4F64259C-21C5-8580-466A-480D012748C5}"/>
               </a:ext>
             </a:extLst>
           </p:cNvPr>
@@ -1792,7 +1792,7 @@
           <p:cNvPr id="7" name="日期占位符 6">
             <a:extLst>
               <a:ext uri="{FF2B5EF4-FFF2-40B4-BE49-F238E27FC236}">
-                <a16:creationId xmlns:a16="http://schemas.microsoft.com/office/drawing/2014/main" id="{5BED8447-BEBD-D3B5-D943-3127CD15F121}"/>
+                <a16:creationId xmlns:a16="http://schemas.microsoft.com/office/drawing/2014/main" id="{68A92E27-C5AA-0A7A-2345-006A7B3C0247}"/>
               </a:ext>
             </a:extLst>
           </p:cNvPr>
@@ -1808,7 +1808,7 @@
           <a:bodyPr/>
           <a:lstStyle/>
           <a:p>
-            <a:fld id="{58A97E81-E080-48B1-9FE4-84AAB09AADF0}" type="datetimeFigureOut">
+            <a:fld id="{D30CA160-7F97-42E1-AFF4-315F5B84A01D}" type="datetimeFigureOut">
               <a:rPr lang="zh-CN" altLang="en-US" smtClean="0"/>
               <a:t>2024/3/10</a:t>
             </a:fld>
@@ -1821,7 +1821,7 @@
           <p:cNvPr id="8" name="页脚占位符 7">
             <a:extLst>
               <a:ext uri="{FF2B5EF4-FFF2-40B4-BE49-F238E27FC236}">
-                <a16:creationId xmlns:a16="http://schemas.microsoft.com/office/drawing/2014/main" id="{44E9E3C5-0441-F4AB-DA64-D4B8504EB086}"/>
+                <a16:creationId xmlns:a16="http://schemas.microsoft.com/office/drawing/2014/main" id="{854322A8-B547-CC69-AB5F-78D6B7C84ECD}"/>
               </a:ext>
             </a:extLst>
           </p:cNvPr>
@@ -1846,7 +1846,7 @@
           <p:cNvPr id="9" name="灯片编号占位符 8">
             <a:extLst>
               <a:ext uri="{FF2B5EF4-FFF2-40B4-BE49-F238E27FC236}">
-                <a16:creationId xmlns:a16="http://schemas.microsoft.com/office/drawing/2014/main" id="{8D36CAED-715A-E50D-E297-C56E04B1733A}"/>
+                <a16:creationId xmlns:a16="http://schemas.microsoft.com/office/drawing/2014/main" id="{5D7C0AA5-1347-76D8-F6E4-1ECC69FD56A5}"/>
               </a:ext>
             </a:extLst>
           </p:cNvPr>
@@ -1862,7 +1862,7 @@
           <a:bodyPr/>
           <a:lstStyle/>
           <a:p>
-            <a:fld id="{85498B83-995C-4D9E-B4A8-BA30D9A004B6}" type="slidenum">
+            <a:fld id="{136F8505-496A-43F7-83A3-0DE041851E20}" type="slidenum">
               <a:rPr lang="zh-CN" altLang="en-US" smtClean="0"/>
               <a:t>‹#›</a:t>
             </a:fld>
@@ -1873,7 +1873,7 @@
     </p:spTree>
     <p:extLst>
       <p:ext uri="{BB962C8B-B14F-4D97-AF65-F5344CB8AC3E}">
-        <p14:creationId xmlns:p14="http://schemas.microsoft.com/office/powerpoint/2010/main" val="1695287477"/>
+        <p14:creationId xmlns:p14="http://schemas.microsoft.com/office/powerpoint/2010/main" val="2022220863"/>
       </p:ext>
     </p:extLst>
   </p:cSld>
@@ -1905,7 +1905,7 @@
           <p:cNvPr id="2" name="标题 1">
             <a:extLst>
               <a:ext uri="{FF2B5EF4-FFF2-40B4-BE49-F238E27FC236}">
-                <a16:creationId xmlns:a16="http://schemas.microsoft.com/office/drawing/2014/main" id="{B5B98E71-B028-8DB5-2B6E-041895E585BE}"/>
+                <a16:creationId xmlns:a16="http://schemas.microsoft.com/office/drawing/2014/main" id="{8B8931B6-183B-1BBA-EBEA-8DE8443DB93F}"/>
               </a:ext>
             </a:extLst>
           </p:cNvPr>
@@ -1933,7 +1933,7 @@
           <p:cNvPr id="3" name="日期占位符 2">
             <a:extLst>
               <a:ext uri="{FF2B5EF4-FFF2-40B4-BE49-F238E27FC236}">
-                <a16:creationId xmlns:a16="http://schemas.microsoft.com/office/drawing/2014/main" id="{F2868DF3-7AE3-59B1-8D32-FEFD88AA4335}"/>
+                <a16:creationId xmlns:a16="http://schemas.microsoft.com/office/drawing/2014/main" id="{C5BA3683-4306-D56B-E5BE-B8E8B7CD235E}"/>
               </a:ext>
             </a:extLst>
           </p:cNvPr>
@@ -1949,7 +1949,7 @@
           <a:bodyPr/>
           <a:lstStyle/>
           <a:p>
-            <a:fld id="{58A97E81-E080-48B1-9FE4-84AAB09AADF0}" type="datetimeFigureOut">
+            <a:fld id="{D30CA160-7F97-42E1-AFF4-315F5B84A01D}" type="datetimeFigureOut">
               <a:rPr lang="zh-CN" altLang="en-US" smtClean="0"/>
               <a:t>2024/3/10</a:t>
             </a:fld>
@@ -1962,7 +1962,7 @@
           <p:cNvPr id="4" name="页脚占位符 3">
             <a:extLst>
               <a:ext uri="{FF2B5EF4-FFF2-40B4-BE49-F238E27FC236}">
-                <a16:creationId xmlns:a16="http://schemas.microsoft.com/office/drawing/2014/main" id="{B62C00D8-9939-411A-7306-83A71DC66327}"/>
+                <a16:creationId xmlns:a16="http://schemas.microsoft.com/office/drawing/2014/main" id="{3489ED21-0B71-FBAC-43C6-E9FDCCF7A495}"/>
               </a:ext>
             </a:extLst>
           </p:cNvPr>
@@ -1987,7 +1987,7 @@
           <p:cNvPr id="5" name="灯片编号占位符 4">
             <a:extLst>
               <a:ext uri="{FF2B5EF4-FFF2-40B4-BE49-F238E27FC236}">
-                <a16:creationId xmlns:a16="http://schemas.microsoft.com/office/drawing/2014/main" id="{84E7B630-1FF1-B994-384A-3A7C33BDF8CC}"/>
+                <a16:creationId xmlns:a16="http://schemas.microsoft.com/office/drawing/2014/main" id="{D2826E9A-844B-87D5-ACBF-335084CE8E5C}"/>
               </a:ext>
             </a:extLst>
           </p:cNvPr>
@@ -2003,7 +2003,7 @@
           <a:bodyPr/>
           <a:lstStyle/>
           <a:p>
-            <a:fld id="{85498B83-995C-4D9E-B4A8-BA30D9A004B6}" type="slidenum">
+            <a:fld id="{136F8505-496A-43F7-83A3-0DE041851E20}" type="slidenum">
               <a:rPr lang="zh-CN" altLang="en-US" smtClean="0"/>
               <a:t>‹#›</a:t>
             </a:fld>
@@ -2014,7 +2014,7 @@
     </p:spTree>
     <p:extLst>
       <p:ext uri="{BB962C8B-B14F-4D97-AF65-F5344CB8AC3E}">
-        <p14:creationId xmlns:p14="http://schemas.microsoft.com/office/powerpoint/2010/main" val="1294869897"/>
+        <p14:creationId xmlns:p14="http://schemas.microsoft.com/office/powerpoint/2010/main" val="570356031"/>
       </p:ext>
     </p:extLst>
   </p:cSld>
@@ -2046,7 +2046,7 @@
           <p:cNvPr id="2" name="日期占位符 1">
             <a:extLst>
               <a:ext uri="{FF2B5EF4-FFF2-40B4-BE49-F238E27FC236}">
-                <a16:creationId xmlns:a16="http://schemas.microsoft.com/office/drawing/2014/main" id="{78C06D2A-A8A6-08E1-C075-51206861ABF4}"/>
+                <a16:creationId xmlns:a16="http://schemas.microsoft.com/office/drawing/2014/main" id="{B3456EF6-FA0B-D6E5-93DC-E14648E5BE51}"/>
               </a:ext>
             </a:extLst>
           </p:cNvPr>
@@ -2062,7 +2062,7 @@
           <a:bodyPr/>
           <a:lstStyle/>
           <a:p>
-            <a:fld id="{58A97E81-E080-48B1-9FE4-84AAB09AADF0}" type="datetimeFigureOut">
+            <a:fld id="{D30CA160-7F97-42E1-AFF4-315F5B84A01D}" type="datetimeFigureOut">
               <a:rPr lang="zh-CN" altLang="en-US" smtClean="0"/>
               <a:t>2024/3/10</a:t>
             </a:fld>
@@ -2075,7 +2075,7 @@
           <p:cNvPr id="3" name="页脚占位符 2">
             <a:extLst>
               <a:ext uri="{FF2B5EF4-FFF2-40B4-BE49-F238E27FC236}">
-                <a16:creationId xmlns:a16="http://schemas.microsoft.com/office/drawing/2014/main" id="{08535F84-4075-09B5-8074-1FC97EA8FD8F}"/>
+                <a16:creationId xmlns:a16="http://schemas.microsoft.com/office/drawing/2014/main" id="{787A97DF-D873-0693-B53A-A694AEBEFF07}"/>
               </a:ext>
             </a:extLst>
           </p:cNvPr>
@@ -2100,7 +2100,7 @@
           <p:cNvPr id="4" name="灯片编号占位符 3">
             <a:extLst>
               <a:ext uri="{FF2B5EF4-FFF2-40B4-BE49-F238E27FC236}">
-                <a16:creationId xmlns:a16="http://schemas.microsoft.com/office/drawing/2014/main" id="{183C1527-33EE-E7C0-0827-0D49A69EED85}"/>
+                <a16:creationId xmlns:a16="http://schemas.microsoft.com/office/drawing/2014/main" id="{9451CEF4-0DA9-F450-0CA5-A1A2DCBE7741}"/>
               </a:ext>
             </a:extLst>
           </p:cNvPr>
@@ -2116,7 +2116,7 @@
           <a:bodyPr/>
           <a:lstStyle/>
           <a:p>
-            <a:fld id="{85498B83-995C-4D9E-B4A8-BA30D9A004B6}" type="slidenum">
+            <a:fld id="{136F8505-496A-43F7-83A3-0DE041851E20}" type="slidenum">
               <a:rPr lang="zh-CN" altLang="en-US" smtClean="0"/>
               <a:t>‹#›</a:t>
             </a:fld>
@@ -2127,7 +2127,7 @@
     </p:spTree>
     <p:extLst>
       <p:ext uri="{BB962C8B-B14F-4D97-AF65-F5344CB8AC3E}">
-        <p14:creationId xmlns:p14="http://schemas.microsoft.com/office/powerpoint/2010/main" val="3625069197"/>
+        <p14:creationId xmlns:p14="http://schemas.microsoft.com/office/powerpoint/2010/main" val="2357135713"/>
       </p:ext>
     </p:extLst>
   </p:cSld>
@@ -2159,7 +2159,7 @@
           <p:cNvPr id="2" name="标题 1">
             <a:extLst>
               <a:ext uri="{FF2B5EF4-FFF2-40B4-BE49-F238E27FC236}">
-                <a16:creationId xmlns:a16="http://schemas.microsoft.com/office/drawing/2014/main" id="{89FF55F5-D16E-A7D5-3990-E5D19C484DF8}"/>
+                <a16:creationId xmlns:a16="http://schemas.microsoft.com/office/drawing/2014/main" id="{8EA6262C-4DD2-EEE2-0B6C-011249B3F37B}"/>
               </a:ext>
             </a:extLst>
           </p:cNvPr>
@@ -2196,7 +2196,7 @@
           <p:cNvPr id="3" name="内容占位符 2">
             <a:extLst>
               <a:ext uri="{FF2B5EF4-FFF2-40B4-BE49-F238E27FC236}">
-                <a16:creationId xmlns:a16="http://schemas.microsoft.com/office/drawing/2014/main" id="{12DEADE7-6E76-54DF-5ED2-4CF9C9FECDB9}"/>
+                <a16:creationId xmlns:a16="http://schemas.microsoft.com/office/drawing/2014/main" id="{87D9CF47-880B-41E9-88C4-F8A2E9A2F09B}"/>
               </a:ext>
             </a:extLst>
           </p:cNvPr>
@@ -2286,7 +2286,7 @@
           <p:cNvPr id="4" name="文本占位符 3">
             <a:extLst>
               <a:ext uri="{FF2B5EF4-FFF2-40B4-BE49-F238E27FC236}">
-                <a16:creationId xmlns:a16="http://schemas.microsoft.com/office/drawing/2014/main" id="{51CBE01A-8E98-6123-114F-1A994BD0A097}"/>
+                <a16:creationId xmlns:a16="http://schemas.microsoft.com/office/drawing/2014/main" id="{639FCD04-F0D2-B389-3BB8-662B43E5A1D3}"/>
               </a:ext>
             </a:extLst>
           </p:cNvPr>
@@ -2357,7 +2357,7 @@
           <p:cNvPr id="5" name="日期占位符 4">
             <a:extLst>
               <a:ext uri="{FF2B5EF4-FFF2-40B4-BE49-F238E27FC236}">
-                <a16:creationId xmlns:a16="http://schemas.microsoft.com/office/drawing/2014/main" id="{8B71240A-D580-664E-015F-205E7D09775E}"/>
+                <a16:creationId xmlns:a16="http://schemas.microsoft.com/office/drawing/2014/main" id="{1135129C-D079-9CDE-BCFF-44D402416244}"/>
               </a:ext>
             </a:extLst>
           </p:cNvPr>
@@ -2373,7 +2373,7 @@
           <a:bodyPr/>
           <a:lstStyle/>
           <a:p>
-            <a:fld id="{58A97E81-E080-48B1-9FE4-84AAB09AADF0}" type="datetimeFigureOut">
+            <a:fld id="{D30CA160-7F97-42E1-AFF4-315F5B84A01D}" type="datetimeFigureOut">
               <a:rPr lang="zh-CN" altLang="en-US" smtClean="0"/>
               <a:t>2024/3/10</a:t>
             </a:fld>
@@ -2386,7 +2386,7 @@
           <p:cNvPr id="6" name="页脚占位符 5">
             <a:extLst>
               <a:ext uri="{FF2B5EF4-FFF2-40B4-BE49-F238E27FC236}">
-                <a16:creationId xmlns:a16="http://schemas.microsoft.com/office/drawing/2014/main" id="{65C2638E-86D8-C094-27F8-5FD4C685982B}"/>
+                <a16:creationId xmlns:a16="http://schemas.microsoft.com/office/drawing/2014/main" id="{A3935A0A-514C-652B-3F88-BB4ADB593C0B}"/>
               </a:ext>
             </a:extLst>
           </p:cNvPr>
@@ -2411,7 +2411,7 @@
           <p:cNvPr id="7" name="灯片编号占位符 6">
             <a:extLst>
               <a:ext uri="{FF2B5EF4-FFF2-40B4-BE49-F238E27FC236}">
-                <a16:creationId xmlns:a16="http://schemas.microsoft.com/office/drawing/2014/main" id="{7746A4FC-3A42-E96C-B646-BE3479959B5F}"/>
+                <a16:creationId xmlns:a16="http://schemas.microsoft.com/office/drawing/2014/main" id="{9BB0699C-EAA3-F65E-41BD-0951239267AD}"/>
               </a:ext>
             </a:extLst>
           </p:cNvPr>
@@ -2427,7 +2427,7 @@
           <a:bodyPr/>
           <a:lstStyle/>
           <a:p>
-            <a:fld id="{85498B83-995C-4D9E-B4A8-BA30D9A004B6}" type="slidenum">
+            <a:fld id="{136F8505-496A-43F7-83A3-0DE041851E20}" type="slidenum">
               <a:rPr lang="zh-CN" altLang="en-US" smtClean="0"/>
               <a:t>‹#›</a:t>
             </a:fld>
@@ -2438,7 +2438,7 @@
     </p:spTree>
     <p:extLst>
       <p:ext uri="{BB962C8B-B14F-4D97-AF65-F5344CB8AC3E}">
-        <p14:creationId xmlns:p14="http://schemas.microsoft.com/office/powerpoint/2010/main" val="2951068755"/>
+        <p14:creationId xmlns:p14="http://schemas.microsoft.com/office/powerpoint/2010/main" val="4159020033"/>
       </p:ext>
     </p:extLst>
   </p:cSld>
@@ -2470,7 +2470,7 @@
           <p:cNvPr id="2" name="标题 1">
             <a:extLst>
               <a:ext uri="{FF2B5EF4-FFF2-40B4-BE49-F238E27FC236}">
-                <a16:creationId xmlns:a16="http://schemas.microsoft.com/office/drawing/2014/main" id="{9277BC21-53D7-7397-FADB-36E40F4C47EF}"/>
+                <a16:creationId xmlns:a16="http://schemas.microsoft.com/office/drawing/2014/main" id="{85E6CF4D-6159-6C92-402B-E4847E9DE69C}"/>
               </a:ext>
             </a:extLst>
           </p:cNvPr>
@@ -2507,7 +2507,7 @@
           <p:cNvPr id="3" name="图片占位符 2">
             <a:extLst>
               <a:ext uri="{FF2B5EF4-FFF2-40B4-BE49-F238E27FC236}">
-                <a16:creationId xmlns:a16="http://schemas.microsoft.com/office/drawing/2014/main" id="{9230DD72-E263-EC99-13F1-17DF8A3941C5}"/>
+                <a16:creationId xmlns:a16="http://schemas.microsoft.com/office/drawing/2014/main" id="{EA6FBBB5-21FE-6412-86CD-0DD2E5929007}"/>
               </a:ext>
             </a:extLst>
           </p:cNvPr>
@@ -2574,7 +2574,7 @@
           <p:cNvPr id="4" name="文本占位符 3">
             <a:extLst>
               <a:ext uri="{FF2B5EF4-FFF2-40B4-BE49-F238E27FC236}">
-                <a16:creationId xmlns:a16="http://schemas.microsoft.com/office/drawing/2014/main" id="{AEBB562C-7A26-E758-01C4-BBD67221903C}"/>
+                <a16:creationId xmlns:a16="http://schemas.microsoft.com/office/drawing/2014/main" id="{40C83745-F9F4-EEDD-2314-40E2C99AD55C}"/>
               </a:ext>
             </a:extLst>
           </p:cNvPr>
@@ -2645,7 +2645,7 @@
           <p:cNvPr id="5" name="日期占位符 4">
             <a:extLst>
               <a:ext uri="{FF2B5EF4-FFF2-40B4-BE49-F238E27FC236}">
-                <a16:creationId xmlns:a16="http://schemas.microsoft.com/office/drawing/2014/main" id="{2446F10F-2709-98B1-81DF-0150DFC49640}"/>
+                <a16:creationId xmlns:a16="http://schemas.microsoft.com/office/drawing/2014/main" id="{FF50F68D-1103-5436-7D00-60AF2704987A}"/>
               </a:ext>
             </a:extLst>
           </p:cNvPr>
@@ -2661,7 +2661,7 @@
           <a:bodyPr/>
           <a:lstStyle/>
           <a:p>
-            <a:fld id="{58A97E81-E080-48B1-9FE4-84AAB09AADF0}" type="datetimeFigureOut">
+            <a:fld id="{D30CA160-7F97-42E1-AFF4-315F5B84A01D}" type="datetimeFigureOut">
               <a:rPr lang="zh-CN" altLang="en-US" smtClean="0"/>
               <a:t>2024/3/10</a:t>
             </a:fld>
@@ -2674,7 +2674,7 @@
           <p:cNvPr id="6" name="页脚占位符 5">
             <a:extLst>
               <a:ext uri="{FF2B5EF4-FFF2-40B4-BE49-F238E27FC236}">
-                <a16:creationId xmlns:a16="http://schemas.microsoft.com/office/drawing/2014/main" id="{F78CE573-D51D-5ECA-94E5-5052AD6455C3}"/>
+                <a16:creationId xmlns:a16="http://schemas.microsoft.com/office/drawing/2014/main" id="{918CCF1F-F285-07B9-526E-C8EE7D4CD375}"/>
               </a:ext>
             </a:extLst>
           </p:cNvPr>
@@ -2699,7 +2699,7 @@
           <p:cNvPr id="7" name="灯片编号占位符 6">
             <a:extLst>
               <a:ext uri="{FF2B5EF4-FFF2-40B4-BE49-F238E27FC236}">
-                <a16:creationId xmlns:a16="http://schemas.microsoft.com/office/drawing/2014/main" id="{CF2478A5-3406-B203-8C3E-6B8D354E4DE8}"/>
+                <a16:creationId xmlns:a16="http://schemas.microsoft.com/office/drawing/2014/main" id="{83A67CD3-54B9-D2D8-1D71-DCE794B5F7C5}"/>
               </a:ext>
             </a:extLst>
           </p:cNvPr>
@@ -2715,7 +2715,7 @@
           <a:bodyPr/>
           <a:lstStyle/>
           <a:p>
-            <a:fld id="{85498B83-995C-4D9E-B4A8-BA30D9A004B6}" type="slidenum">
+            <a:fld id="{136F8505-496A-43F7-83A3-0DE041851E20}" type="slidenum">
               <a:rPr lang="zh-CN" altLang="en-US" smtClean="0"/>
               <a:t>‹#›</a:t>
             </a:fld>
@@ -2726,7 +2726,7 @@
     </p:spTree>
     <p:extLst>
       <p:ext uri="{BB962C8B-B14F-4D97-AF65-F5344CB8AC3E}">
-        <p14:creationId xmlns:p14="http://schemas.microsoft.com/office/powerpoint/2010/main" val="3252849710"/>
+        <p14:creationId xmlns:p14="http://schemas.microsoft.com/office/powerpoint/2010/main" val="2008907746"/>
       </p:ext>
     </p:extLst>
   </p:cSld>
@@ -2763,7 +2763,7 @@
           <p:cNvPr id="2" name="标题占位符 1">
             <a:extLst>
               <a:ext uri="{FF2B5EF4-FFF2-40B4-BE49-F238E27FC236}">
-                <a16:creationId xmlns:a16="http://schemas.microsoft.com/office/drawing/2014/main" id="{3EC1221F-135F-0890-5146-D5DC3ED9CFB1}"/>
+                <a16:creationId xmlns:a16="http://schemas.microsoft.com/office/drawing/2014/main" id="{A836831D-4C04-03EC-A4EA-53E4A3A3556D}"/>
               </a:ext>
             </a:extLst>
           </p:cNvPr>
@@ -2801,7 +2801,7 @@
           <p:cNvPr id="3" name="文本占位符 2">
             <a:extLst>
               <a:ext uri="{FF2B5EF4-FFF2-40B4-BE49-F238E27FC236}">
-                <a16:creationId xmlns:a16="http://schemas.microsoft.com/office/drawing/2014/main" id="{DB9C2B30-80F1-E8C9-9DAD-BC3F3EDB63C2}"/>
+                <a16:creationId xmlns:a16="http://schemas.microsoft.com/office/drawing/2014/main" id="{8CE42C9F-1BE1-548E-A27A-27156E75FE49}"/>
               </a:ext>
             </a:extLst>
           </p:cNvPr>
@@ -2868,7 +2868,7 @@
           <p:cNvPr id="4" name="日期占位符 3">
             <a:extLst>
               <a:ext uri="{FF2B5EF4-FFF2-40B4-BE49-F238E27FC236}">
-                <a16:creationId xmlns:a16="http://schemas.microsoft.com/office/drawing/2014/main" id="{CCE29D1A-0334-65DF-6F82-87BA93EE1470}"/>
+                <a16:creationId xmlns:a16="http://schemas.microsoft.com/office/drawing/2014/main" id="{08B02664-69CC-2F3A-F071-306EAAB96F71}"/>
               </a:ext>
             </a:extLst>
           </p:cNvPr>
@@ -2902,7 +2902,7 @@
             </a:lvl1pPr>
           </a:lstStyle>
           <a:p>
-            <a:fld id="{58A97E81-E080-48B1-9FE4-84AAB09AADF0}" type="datetimeFigureOut">
+            <a:fld id="{D30CA160-7F97-42E1-AFF4-315F5B84A01D}" type="datetimeFigureOut">
               <a:rPr lang="zh-CN" altLang="en-US" smtClean="0"/>
               <a:t>2024/3/10</a:t>
             </a:fld>
@@ -2915,7 +2915,7 @@
           <p:cNvPr id="5" name="页脚占位符 4">
             <a:extLst>
               <a:ext uri="{FF2B5EF4-FFF2-40B4-BE49-F238E27FC236}">
-                <a16:creationId xmlns:a16="http://schemas.microsoft.com/office/drawing/2014/main" id="{8693F477-6327-4A5D-7F94-A1E6AC6C251D}"/>
+                <a16:creationId xmlns:a16="http://schemas.microsoft.com/office/drawing/2014/main" id="{4EA82BB9-B964-D5F1-9DA9-7ACB101DD492}"/>
               </a:ext>
             </a:extLst>
           </p:cNvPr>
@@ -2958,7 +2958,7 @@
           <p:cNvPr id="6" name="灯片编号占位符 5">
             <a:extLst>
               <a:ext uri="{FF2B5EF4-FFF2-40B4-BE49-F238E27FC236}">
-                <a16:creationId xmlns:a16="http://schemas.microsoft.com/office/drawing/2014/main" id="{AD7D77A0-6052-0937-7EAB-1698977D6F58}"/>
+                <a16:creationId xmlns:a16="http://schemas.microsoft.com/office/drawing/2014/main" id="{70992389-C27D-0FAC-C744-DB6330434FD1}"/>
               </a:ext>
             </a:extLst>
           </p:cNvPr>
@@ -2992,7 +2992,7 @@
             </a:lvl1pPr>
           </a:lstStyle>
           <a:p>
-            <a:fld id="{85498B83-995C-4D9E-B4A8-BA30D9A004B6}" type="slidenum">
+            <a:fld id="{136F8505-496A-43F7-83A3-0DE041851E20}" type="slidenum">
               <a:rPr lang="zh-CN" altLang="en-US" smtClean="0"/>
               <a:t>‹#›</a:t>
             </a:fld>
@@ -3003,7 +3003,7 @@
     </p:spTree>
     <p:extLst>
       <p:ext uri="{BB962C8B-B14F-4D97-AF65-F5344CB8AC3E}">
-        <p14:creationId xmlns:p14="http://schemas.microsoft.com/office/powerpoint/2010/main" val="3916054977"/>
+        <p14:creationId xmlns:p14="http://schemas.microsoft.com/office/powerpoint/2010/main" val="3489938113"/>
       </p:ext>
     </p:extLst>
   </p:cSld>
